--- a/images/cover-wings.pptx
+++ b/images/cover-wings.pptx
@@ -3161,8 +3161,8 @@
         </p:nvSpPr>
         <p:spPr>
           <a:xfrm>
-            <a:off x="30702693" y="996649"/>
-            <a:ext cx="5978239" cy="9123460"/>
+            <a:off x="30702693" y="1333531"/>
+            <a:ext cx="5978239" cy="8661987"/>
           </a:xfrm>
           <a:prstGeom prst="rect">
             <a:avLst/>
@@ -3385,7 +3385,7 @@
               <a:rPr lang="ko-KR" altLang="en-US" sz="1999" dirty="0">
                 <a:latin typeface="+mn-ea"/>
               </a:rPr>
-              <a:t>서울성모병원 임상약리과라는 또 하나의 임상약리학 조직과 함께 데이터 확보와 해석이 동시에 이루어질 수 있는 효율적인 연구 체계를 구축하고 있으며</a:t>
+              <a:t>서울성모병원 임상약리과와 데이터 확보 및 해석이 동시에 이루어질 수 있는 효율적인 연구 체계를 구축하고 있으며</a:t>
             </a:r>
             <a:r>
               <a:rPr lang="en-US" altLang="ko-KR" sz="1999" dirty="0">
@@ -3419,10 +3419,16 @@
               </a:spcAft>
             </a:pPr>
             <a:r>
+              <a:rPr lang="ko-KR" altLang="en-US" sz="1999" b="1" dirty="0">
+                <a:latin typeface="+mn-ea"/>
+              </a:rPr>
+              <a:t>홈페이지</a:t>
+            </a:r>
+            <a:r>
               <a:rPr lang="ko-KR" altLang="en-US" sz="1999" dirty="0">
                 <a:latin typeface="+mn-ea"/>
               </a:rPr>
-              <a:t>홈페이지 </a:t>
+              <a:t> </a:t>
             </a:r>
             <a:r>
               <a:rPr lang="en-US" altLang="ko-KR" sz="1999" dirty="0">
@@ -3471,8 +3477,14 @@
             <p:nvPr/>
           </p:nvPicPr>
           <p:blipFill rotWithShape="1">
-            <a:blip r:embed="rId3"/>
-            <a:srcRect r="1679"/>
+            <a:blip r:embed="rId3">
+              <a:extLst>
+                <a:ext uri="{28A0092B-C50C-407E-A947-70E740481C1C}">
+                  <a14:useLocalDpi xmlns:a14="http://schemas.microsoft.com/office/drawing/2010/main"/>
+                </a:ext>
+              </a:extLst>
+            </a:blip>
+            <a:srcRect/>
             <a:stretch/>
           </p:blipFill>
           <p:spPr>
@@ -3500,8 +3512,14 @@
             <p:nvPr/>
           </p:nvPicPr>
           <p:blipFill rotWithShape="1">
-            <a:blip r:embed="rId4"/>
-            <a:srcRect l="821" t="22402"/>
+            <a:blip r:embed="rId4">
+              <a:extLst>
+                <a:ext uri="{28A0092B-C50C-407E-A947-70E740481C1C}">
+                  <a14:useLocalDpi xmlns:a14="http://schemas.microsoft.com/office/drawing/2010/main"/>
+                </a:ext>
+              </a:extLst>
+            </a:blip>
+            <a:srcRect/>
             <a:stretch/>
           </p:blipFill>
           <p:spPr>
@@ -3529,8 +3547,8 @@
         </p:nvSpPr>
         <p:spPr>
           <a:xfrm>
-            <a:off x="640134" y="874728"/>
-            <a:ext cx="5978239" cy="5617500"/>
+            <a:off x="664197" y="1320202"/>
+            <a:ext cx="5978239" cy="7002623"/>
           </a:xfrm>
           <a:prstGeom prst="rect">
             <a:avLst/>
@@ -3542,6 +3560,57 @@
             <a:spAutoFit/>
           </a:bodyPr>
           <a:lstStyle/>
+          <a:p>
+            <a:pPr latinLnBrk="1">
+              <a:lnSpc>
+                <a:spcPct val="150000"/>
+              </a:lnSpc>
+              <a:spcBef>
+                <a:spcPts val="1200"/>
+              </a:spcBef>
+              <a:spcAft>
+                <a:spcPts val="1200"/>
+              </a:spcAft>
+            </a:pPr>
+            <a:r>
+              <a:rPr lang="ko-KR" altLang="en-US" sz="2800" b="1" dirty="0">
+                <a:latin typeface="+mn-ea"/>
+              </a:rPr>
+              <a:t>계량약리학 워크샵 </a:t>
+            </a:r>
+            <a:r>
+              <a:rPr lang="en-US" altLang="ko-KR" sz="2800" b="1" dirty="0">
+                <a:latin typeface="+mn-ea"/>
+              </a:rPr>
+              <a:t>– </a:t>
+            </a:r>
+            <a:r>
+              <a:rPr lang="ko-KR" altLang="en-US" sz="2800" b="1" dirty="0">
+                <a:latin typeface="+mn-ea"/>
+              </a:rPr>
+              <a:t>초급 과정</a:t>
+            </a:r>
+            <a:br>
+              <a:rPr lang="en-US" altLang="ko-KR" sz="2800" b="1" dirty="0">
+                <a:latin typeface="+mn-ea"/>
+              </a:rPr>
+            </a:br>
+            <a:r>
+              <a:rPr lang="en-US" altLang="ko-KR" sz="2000" dirty="0" err="1">
+                <a:latin typeface="+mn-ea"/>
+              </a:rPr>
+              <a:t>Pharmacometrics</a:t>
+            </a:r>
+            <a:r>
+              <a:rPr lang="en-US" altLang="ko-KR" sz="2000" dirty="0">
+                <a:latin typeface="+mn-ea"/>
+              </a:rPr>
+              <a:t> Workshop – Basic Course</a:t>
+            </a:r>
+            <a:endParaRPr lang="en-US" altLang="ko-KR" sz="2800" dirty="0">
+              <a:latin typeface="+mn-ea"/>
+            </a:endParaRPr>
+          </a:p>
           <a:p>
             <a:pPr algn="just" latinLnBrk="1">
               <a:lnSpc>
@@ -3555,974 +3624,175 @@
               </a:spcAft>
             </a:pPr>
             <a:r>
-              <a:rPr lang="ko-KR" altLang="en-US" sz="2800" b="1" dirty="0">
-                <a:latin typeface="+mn-ea"/>
-              </a:rPr>
-              <a:t>계량약리학 워크샵 </a:t>
-            </a:r>
-            <a:r>
-              <a:rPr lang="en-US" altLang="ko-KR" sz="2800" b="1" dirty="0">
-                <a:latin typeface="+mn-ea"/>
-              </a:rPr>
-              <a:t>– </a:t>
-            </a:r>
-            <a:r>
-              <a:rPr lang="ko-KR" altLang="en-US" sz="2800" b="1" dirty="0">
-                <a:latin typeface="+mn-ea"/>
-              </a:rPr>
-              <a:t>초급 과정</a:t>
-            </a:r>
-            <a:endParaRPr lang="en-US" altLang="ko-KR" sz="2800" b="1" dirty="0">
+              <a:rPr lang="ko-KR" altLang="en-US" sz="2000" dirty="0">
+                <a:latin typeface="+mn-ea"/>
+              </a:rPr>
+              <a:t>서울성모병원 임상약리과와 가톨릭대학교 계량약리학연구소는 혼합효과 모델링 기법을 가르치는 </a:t>
+            </a:r>
+            <a:r>
+              <a:rPr lang="en-US" altLang="ko-KR" sz="2000" dirty="0">
+                <a:latin typeface="+mn-ea"/>
+              </a:rPr>
+              <a:t>PK/PD </a:t>
+            </a:r>
+            <a:r>
+              <a:rPr lang="ko-KR" altLang="en-US" sz="2000" dirty="0">
+                <a:latin typeface="+mn-ea"/>
+              </a:rPr>
+              <a:t>워크샵을 </a:t>
+            </a:r>
+            <a:r>
+              <a:rPr lang="en-US" altLang="ko-KR" sz="2000" dirty="0">
+                <a:latin typeface="+mn-ea"/>
+              </a:rPr>
+              <a:t>2009</a:t>
+            </a:r>
+            <a:r>
+              <a:rPr lang="ko-KR" altLang="en-US" sz="2000" dirty="0">
+                <a:latin typeface="+mn-ea"/>
+              </a:rPr>
+              <a:t>년도부터 매년 개최해 왔습니다</a:t>
+            </a:r>
+            <a:r>
+              <a:rPr lang="en-US" altLang="ko-KR" sz="2000" dirty="0">
+                <a:latin typeface="+mn-ea"/>
+              </a:rPr>
+              <a:t>. </a:t>
+            </a:r>
+            <a:r>
+              <a:rPr lang="ko-KR" altLang="en-US" sz="2000" dirty="0">
+                <a:latin typeface="+mn-ea"/>
+              </a:rPr>
+              <a:t>시작할 때부터 지금까지 정부나 기업의 어떤 도움이나 간섭없이 사막에 씨앗을 뿌리는 심정으로 매년 그 내용을 양적</a:t>
+            </a:r>
+            <a:r>
+              <a:rPr lang="en-US" altLang="ko-KR" sz="2000" dirty="0">
+                <a:latin typeface="+mn-ea"/>
+              </a:rPr>
+              <a:t>, </a:t>
+            </a:r>
+            <a:r>
+              <a:rPr lang="ko-KR" altLang="en-US" sz="2000" dirty="0">
+                <a:latin typeface="+mn-ea"/>
+              </a:rPr>
+              <a:t>질적으로 보완하면서 </a:t>
+            </a:r>
+            <a:r>
+              <a:rPr lang="en-US" altLang="ko-KR" sz="2000" dirty="0">
+                <a:latin typeface="+mn-ea"/>
+              </a:rPr>
+              <a:t>basic-1, basic-2, intermediate-1, interme-diate-2 </a:t>
+            </a:r>
+            <a:r>
+              <a:rPr lang="ko-KR" altLang="en-US" sz="2000" dirty="0">
+                <a:latin typeface="+mn-ea"/>
+              </a:rPr>
+              <a:t>의 서로 연결되는 각 </a:t>
+            </a:r>
+            <a:r>
+              <a:rPr lang="en-US" altLang="ko-KR" sz="2000" dirty="0">
+                <a:latin typeface="+mn-ea"/>
+              </a:rPr>
+              <a:t>1.5</a:t>
+            </a:r>
+            <a:r>
+              <a:rPr lang="ko-KR" altLang="en-US" sz="2000" dirty="0">
+                <a:latin typeface="+mn-ea"/>
+              </a:rPr>
+              <a:t>일의 교육 과정으로 발전시켜 왔습니다</a:t>
+            </a:r>
+            <a:r>
+              <a:rPr lang="en-US" altLang="ko-KR" sz="2000" dirty="0">
+                <a:latin typeface="+mn-ea"/>
+              </a:rPr>
+              <a:t>. </a:t>
+            </a:r>
+            <a:r>
+              <a:rPr lang="ko-KR" altLang="en-US" sz="2000" dirty="0">
+                <a:latin typeface="+mn-ea"/>
+              </a:rPr>
+              <a:t>이제 십여 년간 축적되어온 교육의 경험을 바탕으로</a:t>
+            </a:r>
+            <a:r>
+              <a:rPr lang="en-US" altLang="ko-KR" sz="2000" dirty="0">
+                <a:latin typeface="+mn-ea"/>
+              </a:rPr>
+              <a:t>, </a:t>
+            </a:r>
+            <a:r>
+              <a:rPr lang="ko-KR" altLang="en-US" sz="2000" dirty="0">
+                <a:latin typeface="+mn-ea"/>
+              </a:rPr>
+              <a:t>국내에서 입문자들이 보다 쉽게 이해하고 따라갈 수 있도록 워크샵의 </a:t>
+            </a:r>
+            <a:r>
+              <a:rPr lang="en-US" altLang="ko-KR" sz="2000" dirty="0">
+                <a:latin typeface="+mn-ea"/>
+              </a:rPr>
+              <a:t>basic-1</a:t>
+            </a:r>
+            <a:r>
+              <a:rPr lang="ko-KR" altLang="en-US" sz="2000" dirty="0">
+                <a:latin typeface="+mn-ea"/>
+              </a:rPr>
+              <a:t>과 </a:t>
+            </a:r>
+            <a:r>
+              <a:rPr lang="en-US" altLang="ko-KR" sz="2000" dirty="0">
+                <a:latin typeface="+mn-ea"/>
+              </a:rPr>
+              <a:t>2</a:t>
+            </a:r>
+            <a:r>
+              <a:rPr lang="ko-KR" altLang="en-US" sz="2000" dirty="0">
+                <a:latin typeface="+mn-ea"/>
+              </a:rPr>
+              <a:t>의 강의</a:t>
+            </a:r>
+            <a:r>
+              <a:rPr lang="en-US" altLang="ko-KR" sz="2000" dirty="0">
+                <a:latin typeface="+mn-ea"/>
+              </a:rPr>
+              <a:t>, </a:t>
+            </a:r>
+            <a:r>
+              <a:rPr lang="ko-KR" altLang="en-US" sz="2000" dirty="0">
+                <a:latin typeface="+mn-ea"/>
+              </a:rPr>
+              <a:t>실습내용을 고스란히 옮겨 담은 교재를 책으로 펴내게 되었습니다</a:t>
+            </a:r>
+            <a:r>
+              <a:rPr lang="en-US" altLang="ko-KR" sz="2000" dirty="0">
+                <a:latin typeface="+mn-ea"/>
+              </a:rPr>
+              <a:t>. </a:t>
+            </a:r>
+            <a:br>
+              <a:rPr lang="en-US" altLang="ko-KR" sz="2000" dirty="0">
+                <a:latin typeface="+mn-ea"/>
+              </a:rPr>
+            </a:br>
+            <a:r>
+              <a:rPr lang="en-US" altLang="ko-KR" sz="2000" dirty="0">
+                <a:latin typeface="+mn-ea"/>
+              </a:rPr>
+              <a:t>(</a:t>
+            </a:r>
+            <a:r>
+              <a:rPr lang="ko-KR" altLang="en-US" sz="2000" dirty="0">
+                <a:latin typeface="+mn-ea"/>
+              </a:rPr>
+              <a:t>머리말 중</a:t>
+            </a:r>
+            <a:r>
+              <a:rPr lang="en-US" altLang="ko-KR" sz="2000" dirty="0">
+                <a:latin typeface="+mn-ea"/>
+              </a:rPr>
+              <a:t>)</a:t>
+            </a:r>
+            <a:endParaRPr lang="en-US" sz="2000" b="1" dirty="0">
               <a:latin typeface="+mn-ea"/>
             </a:endParaRPr>
-          </a:p>
-          <a:p>
-            <a:pPr algn="just" latinLnBrk="1">
-              <a:lnSpc>
-                <a:spcPct val="150000"/>
-              </a:lnSpc>
-              <a:spcBef>
-                <a:spcPts val="1200"/>
-              </a:spcBef>
-              <a:spcAft>
-                <a:spcPts val="1200"/>
-              </a:spcAft>
-            </a:pPr>
-            <a:r>
-              <a:rPr lang="ko-KR" altLang="en-US" dirty="0">
-                <a:latin typeface="+mn-ea"/>
-              </a:rPr>
-              <a:t>서울성모병원 임상약리과와 가톨릭대학교 계량약리학연구소는 혼합효과 모델링 기법을 가르치는 </a:t>
-            </a:r>
-            <a:r>
-              <a:rPr lang="en-US" altLang="ko-KR" dirty="0">
-                <a:latin typeface="+mn-ea"/>
-              </a:rPr>
-              <a:t>PK/PD </a:t>
-            </a:r>
-            <a:r>
-              <a:rPr lang="ko-KR" altLang="en-US" dirty="0">
-                <a:latin typeface="+mn-ea"/>
-              </a:rPr>
-              <a:t>워크샵을 </a:t>
-            </a:r>
-            <a:r>
-              <a:rPr lang="en-US" altLang="ko-KR" dirty="0">
-                <a:latin typeface="+mn-ea"/>
-              </a:rPr>
-              <a:t>2009</a:t>
-            </a:r>
-            <a:r>
-              <a:rPr lang="ko-KR" altLang="en-US" dirty="0">
-                <a:latin typeface="+mn-ea"/>
-              </a:rPr>
-              <a:t>년도부터 매년 개최해 왔습니다</a:t>
-            </a:r>
-            <a:r>
-              <a:rPr lang="en-US" altLang="ko-KR" dirty="0">
-                <a:latin typeface="+mn-ea"/>
-              </a:rPr>
-              <a:t>. </a:t>
-            </a:r>
-            <a:r>
-              <a:rPr lang="ko-KR" altLang="en-US" dirty="0">
-                <a:latin typeface="+mn-ea"/>
-              </a:rPr>
-              <a:t>시작할 때부터 지금까지 정부나 기업의 어떤 도움이나 간섭없이 사막에 씨앗을 뿌리는 심정으로 매년 그 내용을 양적</a:t>
-            </a:r>
-            <a:r>
-              <a:rPr lang="en-US" altLang="ko-KR" dirty="0">
-                <a:latin typeface="+mn-ea"/>
-              </a:rPr>
-              <a:t>, </a:t>
-            </a:r>
-            <a:r>
-              <a:rPr lang="ko-KR" altLang="en-US" dirty="0">
-                <a:latin typeface="+mn-ea"/>
-              </a:rPr>
-              <a:t>질적으로 보완하면서 </a:t>
-            </a:r>
-            <a:r>
-              <a:rPr lang="en-US" altLang="ko-KR" dirty="0">
-                <a:latin typeface="+mn-ea"/>
-              </a:rPr>
-              <a:t>basic-1, basic-2, intermediate-1, intermediate-2</a:t>
-            </a:r>
-            <a:r>
-              <a:rPr lang="ko-KR" altLang="en-US" dirty="0">
-                <a:latin typeface="+mn-ea"/>
-              </a:rPr>
-              <a:t>의 서로 연결되는 각 </a:t>
-            </a:r>
-            <a:r>
-              <a:rPr lang="en-US" altLang="ko-KR" dirty="0">
-                <a:latin typeface="+mn-ea"/>
-              </a:rPr>
-              <a:t>1.5</a:t>
-            </a:r>
-            <a:r>
-              <a:rPr lang="ko-KR" altLang="en-US" dirty="0">
-                <a:latin typeface="+mn-ea"/>
-              </a:rPr>
-              <a:t>일의 교육 과정으로 발전시켜 왔습니다</a:t>
-            </a:r>
-            <a:r>
-              <a:rPr lang="en-US" altLang="ko-KR" dirty="0">
-                <a:latin typeface="+mn-ea"/>
-              </a:rPr>
-              <a:t>. </a:t>
-            </a:r>
-            <a:r>
-              <a:rPr lang="ko-KR" altLang="en-US" dirty="0">
-                <a:latin typeface="+mn-ea"/>
-              </a:rPr>
-              <a:t>이제 십여 년간 축적되어온 교육의 경험을 바탕으로</a:t>
-            </a:r>
-            <a:r>
-              <a:rPr lang="en-US" altLang="ko-KR" dirty="0">
-                <a:latin typeface="+mn-ea"/>
-              </a:rPr>
-              <a:t>, </a:t>
-            </a:r>
-            <a:r>
-              <a:rPr lang="ko-KR" altLang="en-US" dirty="0">
-                <a:latin typeface="+mn-ea"/>
-              </a:rPr>
-              <a:t>국내에서 입문자들이 보다 쉽게 이해하고 따라갈 수 있도록 워크샵의 </a:t>
-            </a:r>
-            <a:r>
-              <a:rPr lang="en-US" altLang="ko-KR" dirty="0">
-                <a:latin typeface="+mn-ea"/>
-              </a:rPr>
-              <a:t>basic-1</a:t>
-            </a:r>
-            <a:r>
-              <a:rPr lang="ko-KR" altLang="en-US" dirty="0">
-                <a:latin typeface="+mn-ea"/>
-              </a:rPr>
-              <a:t>과 </a:t>
-            </a:r>
-            <a:r>
-              <a:rPr lang="en-US" altLang="ko-KR" dirty="0">
-                <a:latin typeface="+mn-ea"/>
-              </a:rPr>
-              <a:t>2</a:t>
-            </a:r>
-            <a:r>
-              <a:rPr lang="ko-KR" altLang="en-US" dirty="0">
-                <a:latin typeface="+mn-ea"/>
-              </a:rPr>
-              <a:t>의 강의</a:t>
-            </a:r>
-            <a:r>
-              <a:rPr lang="en-US" altLang="ko-KR" dirty="0">
-                <a:latin typeface="+mn-ea"/>
-              </a:rPr>
-              <a:t>, </a:t>
-            </a:r>
-            <a:r>
-              <a:rPr lang="ko-KR" altLang="en-US" dirty="0">
-                <a:latin typeface="+mn-ea"/>
-              </a:rPr>
-              <a:t>실습내용을 고스란히 옮겨 담은 교재를 책으로 펴내게 되었습니다</a:t>
-            </a:r>
-            <a:r>
-              <a:rPr lang="en-US" altLang="ko-KR" dirty="0">
-                <a:latin typeface="+mn-ea"/>
-              </a:rPr>
-              <a:t>.  </a:t>
-            </a:r>
-            <a:br>
-              <a:rPr lang="en-US" altLang="ko-KR" dirty="0">
-                <a:latin typeface="+mn-ea"/>
-              </a:rPr>
-            </a:br>
-            <a:r>
-              <a:rPr lang="en-US" altLang="ko-KR" dirty="0">
-                <a:latin typeface="+mn-ea"/>
-              </a:rPr>
-              <a:t>(</a:t>
-            </a:r>
-            <a:r>
-              <a:rPr lang="ko-KR" altLang="en-US" dirty="0">
-                <a:latin typeface="+mn-ea"/>
-              </a:rPr>
-              <a:t>머리말 중</a:t>
-            </a:r>
-            <a:r>
-              <a:rPr lang="en-US" altLang="ko-KR" dirty="0">
-                <a:latin typeface="+mn-ea"/>
-              </a:rPr>
-              <a:t>)</a:t>
-            </a:r>
-            <a:endParaRPr lang="en-US" sz="1999" b="1" dirty="0">
-              <a:latin typeface="+mn-ea"/>
-            </a:endParaRPr>
-          </a:p>
-        </p:txBody>
-      </p:sp>
-      <p:sp>
-        <p:nvSpPr>
-          <p:cNvPr id="29" name="Rectangle 28">
-            <a:extLst>
-              <a:ext uri="{FF2B5EF4-FFF2-40B4-BE49-F238E27FC236}">
-                <a16:creationId xmlns:a16="http://schemas.microsoft.com/office/drawing/2014/main" id="{7CF1D410-0A9B-4CED-84D8-5DF2F0029A82}"/>
-              </a:ext>
-            </a:extLst>
-          </p:cNvPr>
-          <p:cNvSpPr/>
-          <p:nvPr/>
-        </p:nvSpPr>
-        <p:spPr>
-          <a:xfrm>
-            <a:off x="996515" y="6840663"/>
-            <a:ext cx="18646775" cy="8111195"/>
-          </a:xfrm>
-          <a:prstGeom prst="rect">
-            <a:avLst/>
-          </a:prstGeom>
-        </p:spPr>
-        <p:txBody>
-          <a:bodyPr>
-            <a:spAutoFit/>
-          </a:bodyPr>
-          <a:lstStyle/>
-          <a:p>
-            <a:pPr>
-              <a:lnSpc>
-                <a:spcPct val="114000"/>
-              </a:lnSpc>
-            </a:pPr>
-            <a:r>
-              <a:rPr lang="en-US" sz="2000" b="1" dirty="0"/>
-              <a:t>I </a:t>
-            </a:r>
-            <a:r>
-              <a:rPr lang="en-US" sz="2000" b="1" dirty="0" err="1"/>
-              <a:t>모델</a:t>
-            </a:r>
-            <a:r>
-              <a:rPr lang="en-US" sz="2000" b="1" dirty="0"/>
-              <a:t> </a:t>
-            </a:r>
-            <a:r>
-              <a:rPr lang="en-US" sz="2000" b="1" dirty="0" err="1"/>
-              <a:t>구축의</a:t>
-            </a:r>
-            <a:r>
-              <a:rPr lang="en-US" sz="2000" b="1" dirty="0"/>
-              <a:t> </a:t>
-            </a:r>
-            <a:r>
-              <a:rPr lang="en-US" sz="2000" b="1" dirty="0" err="1"/>
-              <a:t>기초</a:t>
-            </a:r>
-            <a:endParaRPr lang="en-US" sz="2000" b="1" dirty="0"/>
-          </a:p>
-          <a:p>
-            <a:pPr>
-              <a:lnSpc>
-                <a:spcPct val="114000"/>
-              </a:lnSpc>
-            </a:pPr>
-            <a:r>
-              <a:rPr lang="en-US" sz="2000" dirty="0"/>
-              <a:t>1 </a:t>
-            </a:r>
-            <a:r>
-              <a:rPr lang="en-US" sz="2000" dirty="0" err="1"/>
-              <a:t>계량약리학과</a:t>
-            </a:r>
-            <a:r>
-              <a:rPr lang="en-US" sz="2000" dirty="0"/>
-              <a:t> </a:t>
-            </a:r>
-            <a:r>
-              <a:rPr lang="en-US" sz="2000" dirty="0" err="1"/>
-              <a:t>관련</a:t>
-            </a:r>
-            <a:r>
-              <a:rPr lang="en-US" sz="2000" dirty="0"/>
-              <a:t> </a:t>
-            </a:r>
-            <a:r>
-              <a:rPr lang="en-US" sz="2000" dirty="0" err="1"/>
-              <a:t>개념들</a:t>
-            </a:r>
-            <a:endParaRPr lang="en-US" sz="2000" dirty="0"/>
-          </a:p>
-          <a:p>
-            <a:pPr>
-              <a:lnSpc>
-                <a:spcPct val="114000"/>
-              </a:lnSpc>
-            </a:pPr>
-            <a:r>
-              <a:rPr lang="en-US" sz="2000" dirty="0"/>
-              <a:t>2 NONMEM </a:t>
-            </a:r>
-            <a:r>
-              <a:rPr lang="en-US" sz="2000" dirty="0" err="1"/>
-              <a:t>데이터셋</a:t>
-            </a:r>
-            <a:endParaRPr lang="en-US" sz="2000" dirty="0"/>
-          </a:p>
-          <a:p>
-            <a:pPr>
-              <a:lnSpc>
-                <a:spcPct val="114000"/>
-              </a:lnSpc>
-            </a:pPr>
-            <a:r>
-              <a:rPr lang="en-US" sz="2000" dirty="0"/>
-              <a:t>3 NONMEM </a:t>
-            </a:r>
-            <a:r>
-              <a:rPr lang="en-US" sz="2000" dirty="0" err="1"/>
-              <a:t>모델</a:t>
-            </a:r>
-            <a:r>
-              <a:rPr lang="en-US" sz="2000" dirty="0"/>
-              <a:t> </a:t>
-            </a:r>
-            <a:r>
-              <a:rPr lang="en-US" sz="2000" dirty="0" err="1"/>
-              <a:t>종류</a:t>
-            </a:r>
-            <a:r>
-              <a:rPr lang="en-US" sz="2000" dirty="0"/>
-              <a:t> 별 </a:t>
-            </a:r>
-            <a:r>
-              <a:rPr lang="en-US" sz="2000" dirty="0" err="1"/>
-              <a:t>제어구문</a:t>
-            </a:r>
-            <a:r>
-              <a:rPr lang="en-US" sz="2000" dirty="0"/>
-              <a:t> </a:t>
-            </a:r>
-            <a:r>
-              <a:rPr lang="en-US" sz="2000" dirty="0" err="1"/>
-              <a:t>소개</a:t>
-            </a:r>
-            <a:endParaRPr lang="en-US" sz="2000" dirty="0"/>
-          </a:p>
-          <a:p>
-            <a:pPr>
-              <a:lnSpc>
-                <a:spcPct val="114000"/>
-              </a:lnSpc>
-            </a:pPr>
-            <a:r>
-              <a:rPr lang="en-US" sz="2000" dirty="0"/>
-              <a:t>4 </a:t>
-            </a:r>
-            <a:r>
-              <a:rPr lang="en-US" sz="2000" dirty="0" err="1"/>
-              <a:t>특수</a:t>
-            </a:r>
-            <a:r>
-              <a:rPr lang="en-US" sz="2000" dirty="0"/>
-              <a:t> </a:t>
-            </a:r>
-            <a:r>
-              <a:rPr lang="en-US" sz="2000" dirty="0" err="1"/>
-              <a:t>ADVAN을</a:t>
-            </a:r>
-            <a:r>
-              <a:rPr lang="en-US" sz="2000" dirty="0"/>
-              <a:t> </a:t>
-            </a:r>
-            <a:r>
-              <a:rPr lang="en-US" sz="2000" dirty="0" err="1"/>
-              <a:t>이용한</a:t>
-            </a:r>
-            <a:r>
-              <a:rPr lang="en-US" sz="2000" dirty="0"/>
-              <a:t> </a:t>
-            </a:r>
-            <a:r>
-              <a:rPr lang="en-US" sz="2000" dirty="0" err="1"/>
-              <a:t>제어구문의</a:t>
-            </a:r>
-            <a:r>
-              <a:rPr lang="en-US" sz="2000" dirty="0"/>
-              <a:t> </a:t>
-            </a:r>
-            <a:r>
-              <a:rPr lang="en-US" sz="2000" dirty="0" err="1"/>
-              <a:t>코딩</a:t>
-            </a:r>
-            <a:endParaRPr lang="en-US" sz="2000" dirty="0"/>
-          </a:p>
-          <a:p>
-            <a:pPr>
-              <a:lnSpc>
-                <a:spcPct val="114000"/>
-              </a:lnSpc>
-            </a:pPr>
-            <a:r>
-              <a:rPr lang="en-US" sz="2000" dirty="0"/>
-              <a:t>5 </a:t>
-            </a:r>
-            <a:r>
-              <a:rPr lang="en-US" sz="2000" dirty="0" err="1"/>
-              <a:t>일반</a:t>
-            </a:r>
-            <a:r>
-              <a:rPr lang="en-US" sz="2000" dirty="0"/>
-              <a:t> </a:t>
-            </a:r>
-            <a:r>
-              <a:rPr lang="en-US" sz="2000" dirty="0" err="1"/>
-              <a:t>ADVAN을</a:t>
-            </a:r>
-            <a:r>
-              <a:rPr lang="en-US" sz="2000" dirty="0"/>
-              <a:t> </a:t>
-            </a:r>
-            <a:r>
-              <a:rPr lang="en-US" sz="2000" dirty="0" err="1"/>
-              <a:t>이용한</a:t>
-            </a:r>
-            <a:r>
-              <a:rPr lang="en-US" sz="2000" dirty="0"/>
-              <a:t> </a:t>
-            </a:r>
-            <a:r>
-              <a:rPr lang="en-US" sz="2000" dirty="0" err="1"/>
-              <a:t>제어구문의</a:t>
-            </a:r>
-            <a:r>
-              <a:rPr lang="en-US" sz="2000" dirty="0"/>
-              <a:t> </a:t>
-            </a:r>
-            <a:r>
-              <a:rPr lang="en-US" sz="2000" dirty="0" err="1"/>
-              <a:t>코딩</a:t>
-            </a:r>
-            <a:endParaRPr lang="en-US" sz="2000" dirty="0"/>
-          </a:p>
-          <a:p>
-            <a:pPr>
-              <a:lnSpc>
-                <a:spcPct val="114000"/>
-              </a:lnSpc>
-            </a:pPr>
-            <a:r>
-              <a:rPr lang="en-US" sz="2000" dirty="0"/>
-              <a:t>6 </a:t>
-            </a:r>
-            <a:r>
-              <a:rPr lang="en-US" sz="2000" dirty="0" err="1"/>
-              <a:t>기타</a:t>
-            </a:r>
-            <a:r>
-              <a:rPr lang="en-US" sz="2000" dirty="0"/>
-              <a:t> ADVAN</a:t>
-            </a:r>
-          </a:p>
-          <a:p>
-            <a:pPr>
-              <a:lnSpc>
-                <a:spcPct val="114000"/>
-              </a:lnSpc>
-            </a:pPr>
-            <a:r>
-              <a:rPr lang="en-US" sz="2000" dirty="0"/>
-              <a:t>7 $PRED: </a:t>
-            </a:r>
-            <a:r>
-              <a:rPr lang="en-US" sz="2000" dirty="0" err="1"/>
-              <a:t>ADVAN을</a:t>
-            </a:r>
-            <a:r>
-              <a:rPr lang="en-US" sz="2000" dirty="0"/>
-              <a:t> </a:t>
-            </a:r>
-            <a:r>
-              <a:rPr lang="en-US" sz="2000" dirty="0" err="1"/>
-              <a:t>쓰지</a:t>
-            </a:r>
-            <a:r>
-              <a:rPr lang="en-US" sz="2000" dirty="0"/>
-              <a:t> </a:t>
-            </a:r>
-            <a:r>
-              <a:rPr lang="en-US" sz="2000" dirty="0" err="1"/>
-              <a:t>않는</a:t>
-            </a:r>
-            <a:r>
-              <a:rPr lang="en-US" sz="2000" dirty="0"/>
-              <a:t> </a:t>
-            </a:r>
-            <a:r>
-              <a:rPr lang="en-US" sz="2000" dirty="0" err="1"/>
-              <a:t>코딩</a:t>
-            </a:r>
-            <a:endParaRPr lang="en-US" sz="2000" dirty="0"/>
-          </a:p>
-          <a:p>
-            <a:pPr>
-              <a:lnSpc>
-                <a:spcPct val="114000"/>
-              </a:lnSpc>
-            </a:pPr>
-            <a:r>
-              <a:rPr lang="en-US" sz="2000" dirty="0"/>
-              <a:t>8 </a:t>
-            </a:r>
-            <a:r>
-              <a:rPr lang="en-US" sz="2000" dirty="0" err="1"/>
-              <a:t>초기추정값</a:t>
-            </a:r>
-            <a:endParaRPr lang="en-US" sz="2000" dirty="0"/>
-          </a:p>
-          <a:p>
-            <a:pPr>
-              <a:lnSpc>
-                <a:spcPct val="114000"/>
-              </a:lnSpc>
-            </a:pPr>
-            <a:r>
-              <a:rPr lang="en-US" sz="2000" dirty="0"/>
-              <a:t>9 </a:t>
-            </a:r>
-            <a:r>
-              <a:rPr lang="en-US" sz="2000" dirty="0" err="1"/>
-              <a:t>파라미터</a:t>
-            </a:r>
-            <a:r>
-              <a:rPr lang="en-US" sz="2000" dirty="0"/>
-              <a:t> </a:t>
-            </a:r>
-            <a:r>
-              <a:rPr lang="en-US" sz="2000" dirty="0" err="1"/>
-              <a:t>추정</a:t>
-            </a:r>
-            <a:r>
-              <a:rPr lang="en-US" sz="2000" dirty="0"/>
-              <a:t> </a:t>
-            </a:r>
-            <a:r>
-              <a:rPr lang="en-US" sz="2000" dirty="0" err="1"/>
-              <a:t>방법</a:t>
-            </a:r>
-            <a:r>
-              <a:rPr lang="en-US" sz="2000" dirty="0"/>
-              <a:t> 및 </a:t>
-            </a:r>
-            <a:r>
-              <a:rPr lang="en-US" sz="2000" dirty="0" err="1"/>
-              <a:t>세팅</a:t>
-            </a:r>
-            <a:endParaRPr lang="en-US" sz="2000" dirty="0"/>
-          </a:p>
-          <a:p>
-            <a:pPr>
-              <a:lnSpc>
-                <a:spcPct val="114000"/>
-              </a:lnSpc>
-            </a:pPr>
-            <a:r>
-              <a:rPr lang="en-US" sz="2000" dirty="0"/>
-              <a:t>10 NONMEM </a:t>
-            </a:r>
-            <a:r>
-              <a:rPr lang="en-US" sz="2000" dirty="0" err="1"/>
-              <a:t>실행결과</a:t>
-            </a:r>
-            <a:r>
-              <a:rPr lang="en-US" sz="2000" dirty="0"/>
-              <a:t> </a:t>
-            </a:r>
-            <a:r>
-              <a:rPr lang="en-US" sz="2000" dirty="0" err="1"/>
-              <a:t>해석</a:t>
-            </a:r>
-            <a:r>
-              <a:rPr lang="en-US" sz="2000" dirty="0"/>
-              <a:t> 및 Xpose4 </a:t>
-            </a:r>
-            <a:r>
-              <a:rPr lang="en-US" sz="2000" dirty="0" err="1"/>
-              <a:t>사용법</a:t>
-            </a:r>
-            <a:endParaRPr lang="en-US" sz="2000" dirty="0"/>
-          </a:p>
-          <a:p>
-            <a:pPr>
-              <a:lnSpc>
-                <a:spcPct val="114000"/>
-              </a:lnSpc>
-            </a:pPr>
-            <a:r>
-              <a:rPr lang="en-US" sz="2000" dirty="0"/>
-              <a:t>11 </a:t>
-            </a:r>
-            <a:r>
-              <a:rPr lang="en-US" sz="2000" dirty="0" err="1"/>
-              <a:t>공변량</a:t>
-            </a:r>
-            <a:r>
-              <a:rPr lang="en-US" sz="2000" dirty="0"/>
-              <a:t> </a:t>
-            </a:r>
-            <a:r>
-              <a:rPr lang="en-US" sz="2000" dirty="0" err="1"/>
-              <a:t>분석</a:t>
-            </a:r>
-            <a:br>
-              <a:rPr lang="en-US" sz="2000" dirty="0"/>
-            </a:br>
-            <a:endParaRPr lang="en-US" sz="2000" dirty="0"/>
-          </a:p>
-          <a:p>
-            <a:pPr>
-              <a:lnSpc>
-                <a:spcPct val="114000"/>
-              </a:lnSpc>
-            </a:pPr>
-            <a:r>
-              <a:rPr lang="en-US" sz="2000" b="1" dirty="0"/>
-              <a:t>II </a:t>
-            </a:r>
-            <a:r>
-              <a:rPr lang="en-US" sz="2000" b="1" dirty="0" err="1"/>
-              <a:t>모델</a:t>
-            </a:r>
-            <a:r>
-              <a:rPr lang="en-US" sz="2000" b="1" dirty="0"/>
-              <a:t> </a:t>
-            </a:r>
-            <a:r>
-              <a:rPr lang="en-US" sz="2000" b="1" dirty="0" err="1"/>
-              <a:t>진단</a:t>
-            </a:r>
-            <a:r>
-              <a:rPr lang="en-US" sz="2000" b="1" dirty="0"/>
-              <a:t> 및 </a:t>
-            </a:r>
-            <a:r>
-              <a:rPr lang="en-US" sz="2000" b="1" dirty="0" err="1"/>
-              <a:t>약동학-약력학</a:t>
-            </a:r>
-            <a:r>
-              <a:rPr lang="en-US" sz="2000" b="1" dirty="0"/>
-              <a:t> </a:t>
-            </a:r>
-            <a:r>
-              <a:rPr lang="en-US" sz="2000" b="1" dirty="0" err="1"/>
-              <a:t>연계</a:t>
-            </a:r>
-            <a:r>
-              <a:rPr lang="en-US" sz="2000" b="1" dirty="0"/>
-              <a:t> </a:t>
-            </a:r>
-            <a:r>
-              <a:rPr lang="en-US" sz="2000" b="1" dirty="0" err="1"/>
-              <a:t>모델</a:t>
-            </a:r>
-            <a:endParaRPr lang="en-US" sz="2000" b="1" dirty="0"/>
-          </a:p>
-          <a:p>
-            <a:pPr>
-              <a:lnSpc>
-                <a:spcPct val="114000"/>
-              </a:lnSpc>
-            </a:pPr>
-            <a:r>
-              <a:rPr lang="en-US" sz="2000" dirty="0"/>
-              <a:t>12 </a:t>
-            </a:r>
-            <a:r>
-              <a:rPr lang="en-US" sz="2000" dirty="0" err="1"/>
-              <a:t>모델</a:t>
-            </a:r>
-            <a:r>
-              <a:rPr lang="en-US" sz="2000" dirty="0"/>
-              <a:t> </a:t>
-            </a:r>
-            <a:r>
-              <a:rPr lang="en-US" sz="2000" dirty="0" err="1"/>
-              <a:t>진단</a:t>
-            </a:r>
-            <a:r>
-              <a:rPr lang="en-US" sz="2000" dirty="0"/>
-              <a:t>/</a:t>
-            </a:r>
-            <a:r>
-              <a:rPr lang="en-US" sz="2000" dirty="0" err="1"/>
-              <a:t>평가</a:t>
-            </a:r>
-            <a:r>
-              <a:rPr lang="en-US" sz="2000" dirty="0"/>
-              <a:t> </a:t>
-            </a:r>
-            <a:r>
-              <a:rPr lang="en-US" sz="2000" dirty="0" err="1"/>
-              <a:t>개론</a:t>
-            </a:r>
-            <a:endParaRPr lang="en-US" sz="2000" dirty="0"/>
-          </a:p>
-          <a:p>
-            <a:pPr>
-              <a:lnSpc>
-                <a:spcPct val="114000"/>
-              </a:lnSpc>
-            </a:pPr>
-            <a:r>
-              <a:rPr lang="en-US" sz="2000" dirty="0"/>
-              <a:t>13 </a:t>
-            </a:r>
-            <a:r>
-              <a:rPr lang="en-US" sz="2000" dirty="0" err="1"/>
-              <a:t>모델</a:t>
-            </a:r>
-            <a:r>
-              <a:rPr lang="en-US" sz="2000" dirty="0"/>
-              <a:t> </a:t>
-            </a:r>
-            <a:r>
-              <a:rPr lang="en-US" sz="2000" dirty="0" err="1"/>
-              <a:t>적합</a:t>
-            </a:r>
-            <a:r>
-              <a:rPr lang="en-US" sz="2000" dirty="0"/>
-              <a:t> </a:t>
-            </a:r>
-            <a:r>
-              <a:rPr lang="en-US" sz="2000" dirty="0" err="1"/>
-              <a:t>상태에</a:t>
-            </a:r>
-            <a:r>
-              <a:rPr lang="en-US" sz="2000" dirty="0"/>
-              <a:t> </a:t>
-            </a:r>
-            <a:r>
-              <a:rPr lang="en-US" sz="2000" dirty="0" err="1"/>
-              <a:t>대한</a:t>
-            </a:r>
-            <a:r>
-              <a:rPr lang="en-US" sz="2000" dirty="0"/>
-              <a:t> </a:t>
-            </a:r>
-            <a:r>
-              <a:rPr lang="en-US" sz="2000" dirty="0" err="1"/>
-              <a:t>진단</a:t>
-            </a:r>
-            <a:endParaRPr lang="en-US" sz="2000" dirty="0"/>
-          </a:p>
-          <a:p>
-            <a:pPr>
-              <a:lnSpc>
-                <a:spcPct val="114000"/>
-              </a:lnSpc>
-            </a:pPr>
-            <a:r>
-              <a:rPr lang="en-US" sz="2000" dirty="0"/>
-              <a:t>14 </a:t>
-            </a:r>
-            <a:r>
-              <a:rPr lang="en-US" sz="2000" dirty="0" err="1"/>
-              <a:t>NONMEM의</a:t>
-            </a:r>
-            <a:r>
-              <a:rPr lang="en-US" sz="2000" dirty="0"/>
-              <a:t> $COVARIANCE</a:t>
-            </a:r>
-          </a:p>
-          <a:p>
-            <a:pPr>
-              <a:lnSpc>
-                <a:spcPct val="114000"/>
-              </a:lnSpc>
-            </a:pPr>
-            <a:r>
-              <a:rPr lang="en-US" sz="2000" dirty="0"/>
-              <a:t>15 </a:t>
-            </a:r>
-            <a:r>
-              <a:rPr lang="en-US" sz="2000" dirty="0" err="1"/>
-              <a:t>모델</a:t>
-            </a:r>
-            <a:r>
-              <a:rPr lang="en-US" sz="2000" dirty="0"/>
-              <a:t> </a:t>
-            </a:r>
-            <a:r>
-              <a:rPr lang="en-US" sz="2000" dirty="0" err="1"/>
-              <a:t>파라미터의</a:t>
-            </a:r>
-            <a:r>
-              <a:rPr lang="en-US" sz="2000" dirty="0"/>
-              <a:t> </a:t>
-            </a:r>
-            <a:r>
-              <a:rPr lang="en-US" sz="2000" dirty="0" err="1"/>
-              <a:t>적절성</a:t>
-            </a:r>
-            <a:endParaRPr lang="en-US" sz="2000" dirty="0"/>
-          </a:p>
-          <a:p>
-            <a:pPr>
-              <a:lnSpc>
-                <a:spcPct val="114000"/>
-              </a:lnSpc>
-            </a:pPr>
-            <a:r>
-              <a:rPr lang="en-US" sz="2000" dirty="0"/>
-              <a:t>16 </a:t>
-            </a:r>
-            <a:r>
-              <a:rPr lang="en-US" sz="2000" dirty="0" err="1"/>
-              <a:t>모델의</a:t>
-            </a:r>
-            <a:r>
-              <a:rPr lang="en-US" sz="2000" dirty="0"/>
-              <a:t> </a:t>
-            </a:r>
-            <a:r>
-              <a:rPr lang="en-US" sz="2000" dirty="0" err="1"/>
-              <a:t>예측성능</a:t>
-            </a:r>
-            <a:r>
-              <a:rPr lang="en-US" sz="2000" dirty="0"/>
-              <a:t> </a:t>
-            </a:r>
-            <a:r>
-              <a:rPr lang="en-US" sz="2000" dirty="0" err="1"/>
-              <a:t>평가</a:t>
-            </a:r>
-            <a:endParaRPr lang="en-US" sz="2000" dirty="0"/>
-          </a:p>
-          <a:p>
-            <a:pPr>
-              <a:lnSpc>
-                <a:spcPct val="114000"/>
-              </a:lnSpc>
-            </a:pPr>
-            <a:r>
-              <a:rPr lang="en-US" sz="2000" dirty="0"/>
-              <a:t>17 </a:t>
-            </a:r>
-            <a:r>
-              <a:rPr lang="en-US" sz="2000" dirty="0" err="1"/>
-              <a:t>약동-약력</a:t>
-            </a:r>
-            <a:r>
-              <a:rPr lang="en-US" sz="2000" dirty="0"/>
-              <a:t>(PK-PD) </a:t>
-            </a:r>
-            <a:r>
-              <a:rPr lang="en-US" sz="2000" dirty="0" err="1"/>
-              <a:t>모델링의</a:t>
-            </a:r>
-            <a:r>
-              <a:rPr lang="en-US" sz="2000" dirty="0"/>
-              <a:t> </a:t>
-            </a:r>
-            <a:r>
-              <a:rPr lang="en-US" sz="2000" dirty="0" err="1"/>
-              <a:t>이론적</a:t>
-            </a:r>
-            <a:r>
-              <a:rPr lang="en-US" sz="2000" dirty="0"/>
-              <a:t> </a:t>
-            </a:r>
-            <a:r>
-              <a:rPr lang="en-US" sz="2000" dirty="0" err="1"/>
-              <a:t>기초</a:t>
-            </a:r>
-            <a:endParaRPr lang="en-US" sz="2000" dirty="0"/>
-          </a:p>
-          <a:p>
-            <a:pPr>
-              <a:lnSpc>
-                <a:spcPct val="114000"/>
-              </a:lnSpc>
-            </a:pPr>
-            <a:r>
-              <a:rPr lang="en-US" sz="2000" dirty="0"/>
-              <a:t>18 PK-PD </a:t>
-            </a:r>
-            <a:r>
-              <a:rPr lang="en-US" sz="2000" dirty="0" err="1"/>
-              <a:t>연결</a:t>
-            </a:r>
-            <a:r>
-              <a:rPr lang="en-US" sz="2000" dirty="0"/>
-              <a:t> </a:t>
-            </a:r>
-            <a:r>
-              <a:rPr lang="en-US" sz="2000" dirty="0" err="1"/>
-              <a:t>방법과</a:t>
-            </a:r>
-            <a:r>
-              <a:rPr lang="en-US" sz="2000" dirty="0"/>
-              <a:t> </a:t>
-            </a:r>
-            <a:r>
-              <a:rPr lang="en-US" sz="2000" dirty="0" err="1"/>
-              <a:t>적합법</a:t>
-            </a:r>
-            <a:endParaRPr lang="en-US" sz="2000" dirty="0"/>
-          </a:p>
-          <a:p>
-            <a:pPr>
-              <a:lnSpc>
-                <a:spcPct val="114000"/>
-              </a:lnSpc>
-            </a:pPr>
-            <a:r>
-              <a:rPr lang="en-US" sz="2000" dirty="0"/>
-              <a:t>19 </a:t>
-            </a:r>
-            <a:r>
-              <a:rPr lang="en-US" sz="2000" dirty="0" err="1"/>
-              <a:t>다양한</a:t>
-            </a:r>
-            <a:r>
-              <a:rPr lang="en-US" sz="2000" dirty="0"/>
-              <a:t> </a:t>
-            </a:r>
-            <a:r>
-              <a:rPr lang="en-US" sz="2000" dirty="0" err="1"/>
-              <a:t>약물효과</a:t>
-            </a:r>
-            <a:r>
-              <a:rPr lang="en-US" sz="2000" dirty="0"/>
-              <a:t> </a:t>
-            </a:r>
-            <a:r>
-              <a:rPr lang="en-US" sz="2000" dirty="0" err="1"/>
-              <a:t>모델링</a:t>
-            </a:r>
-            <a:endParaRPr lang="en-US" sz="2000" dirty="0"/>
-          </a:p>
-          <a:p>
-            <a:pPr>
-              <a:lnSpc>
-                <a:spcPct val="114000"/>
-              </a:lnSpc>
-            </a:pPr>
-            <a:r>
-              <a:rPr lang="en-US" sz="2000" dirty="0"/>
-              <a:t>20 </a:t>
-            </a:r>
-            <a:r>
-              <a:rPr lang="en-US" sz="2000" dirty="0" err="1"/>
-              <a:t>지연효과</a:t>
-            </a:r>
-            <a:r>
-              <a:rPr lang="en-US" sz="2000" dirty="0"/>
-              <a:t> </a:t>
-            </a:r>
-            <a:r>
-              <a:rPr lang="en-US" sz="2000" dirty="0" err="1"/>
-              <a:t>모델</a:t>
-            </a:r>
-            <a:endParaRPr lang="en-US" sz="2000" dirty="0"/>
           </a:p>
         </p:txBody>
       </p:sp>

--- a/images/cover-wings.pptx
+++ b/images/cover-wings.pptx
@@ -260,7 +260,7 @@
           <a:p>
             <a:fld id="{841E8393-F563-43E9-82DD-B243152791BF}" type="datetimeFigureOut">
               <a:rPr lang="en-US" smtClean="0"/>
-              <a:t>7/31/2020</a:t>
+              <a:t>8/21/2020</a:t>
             </a:fld>
             <a:endParaRPr lang="en-US"/>
           </a:p>
@@ -430,7 +430,7 @@
           <a:p>
             <a:fld id="{841E8393-F563-43E9-82DD-B243152791BF}" type="datetimeFigureOut">
               <a:rPr lang="en-US" smtClean="0"/>
-              <a:t>7/31/2020</a:t>
+              <a:t>8/21/2020</a:t>
             </a:fld>
             <a:endParaRPr lang="en-US"/>
           </a:p>
@@ -610,7 +610,7 @@
           <a:p>
             <a:fld id="{841E8393-F563-43E9-82DD-B243152791BF}" type="datetimeFigureOut">
               <a:rPr lang="en-US" smtClean="0"/>
-              <a:t>7/31/2020</a:t>
+              <a:t>8/21/2020</a:t>
             </a:fld>
             <a:endParaRPr lang="en-US"/>
           </a:p>
@@ -780,7 +780,7 @@
           <a:p>
             <a:fld id="{841E8393-F563-43E9-82DD-B243152791BF}" type="datetimeFigureOut">
               <a:rPr lang="en-US" smtClean="0"/>
-              <a:t>7/31/2020</a:t>
+              <a:t>8/21/2020</a:t>
             </a:fld>
             <a:endParaRPr lang="en-US"/>
           </a:p>
@@ -1026,7 +1026,7 @@
           <a:p>
             <a:fld id="{841E8393-F563-43E9-82DD-B243152791BF}" type="datetimeFigureOut">
               <a:rPr lang="en-US" smtClean="0"/>
-              <a:t>7/31/2020</a:t>
+              <a:t>8/21/2020</a:t>
             </a:fld>
             <a:endParaRPr lang="en-US"/>
           </a:p>
@@ -1258,7 +1258,7 @@
           <a:p>
             <a:fld id="{841E8393-F563-43E9-82DD-B243152791BF}" type="datetimeFigureOut">
               <a:rPr lang="en-US" smtClean="0"/>
-              <a:t>7/31/2020</a:t>
+              <a:t>8/21/2020</a:t>
             </a:fld>
             <a:endParaRPr lang="en-US"/>
           </a:p>
@@ -1625,7 +1625,7 @@
           <a:p>
             <a:fld id="{841E8393-F563-43E9-82DD-B243152791BF}" type="datetimeFigureOut">
               <a:rPr lang="en-US" smtClean="0"/>
-              <a:t>7/31/2020</a:t>
+              <a:t>8/21/2020</a:t>
             </a:fld>
             <a:endParaRPr lang="en-US"/>
           </a:p>
@@ -1743,7 +1743,7 @@
           <a:p>
             <a:fld id="{841E8393-F563-43E9-82DD-B243152791BF}" type="datetimeFigureOut">
               <a:rPr lang="en-US" smtClean="0"/>
-              <a:t>7/31/2020</a:t>
+              <a:t>8/21/2020</a:t>
             </a:fld>
             <a:endParaRPr lang="en-US"/>
           </a:p>
@@ -1838,7 +1838,7 @@
           <a:p>
             <a:fld id="{841E8393-F563-43E9-82DD-B243152791BF}" type="datetimeFigureOut">
               <a:rPr lang="en-US" smtClean="0"/>
-              <a:t>7/31/2020</a:t>
+              <a:t>8/21/2020</a:t>
             </a:fld>
             <a:endParaRPr lang="en-US"/>
           </a:p>
@@ -2115,7 +2115,7 @@
           <a:p>
             <a:fld id="{841E8393-F563-43E9-82DD-B243152791BF}" type="datetimeFigureOut">
               <a:rPr lang="en-US" smtClean="0"/>
-              <a:t>7/31/2020</a:t>
+              <a:t>8/21/2020</a:t>
             </a:fld>
             <a:endParaRPr lang="en-US"/>
           </a:p>
@@ -2372,7 +2372,7 @@
           <a:p>
             <a:fld id="{841E8393-F563-43E9-82DD-B243152791BF}" type="datetimeFigureOut">
               <a:rPr lang="en-US" smtClean="0"/>
-              <a:t>7/31/2020</a:t>
+              <a:t>8/21/2020</a:t>
             </a:fld>
             <a:endParaRPr lang="en-US"/>
           </a:p>
@@ -2585,7 +2585,7 @@
           <a:p>
             <a:fld id="{841E8393-F563-43E9-82DD-B243152791BF}" type="datetimeFigureOut">
               <a:rPr lang="en-US" smtClean="0"/>
-              <a:t>7/31/2020</a:t>
+              <a:t>8/21/2020</a:t>
             </a:fld>
             <a:endParaRPr lang="en-US"/>
           </a:p>
@@ -2990,42 +2990,6 @@
           <a:chExt cx="0" cy="0"/>
         </a:xfrm>
       </p:grpSpPr>
-      <p:pic>
-        <p:nvPicPr>
-          <p:cNvPr id="17" name="Picture 16">
-            <a:extLst>
-              <a:ext uri="{FF2B5EF4-FFF2-40B4-BE49-F238E27FC236}">
-                <a16:creationId xmlns:a16="http://schemas.microsoft.com/office/drawing/2014/main" id="{F77411FE-5C26-41B9-8573-0621DA5C5AFD}"/>
-              </a:ext>
-            </a:extLst>
-          </p:cNvPr>
-          <p:cNvPicPr>
-            <a:picLocks noChangeAspect="1"/>
-          </p:cNvPicPr>
-          <p:nvPr/>
-        </p:nvPicPr>
-        <p:blipFill>
-          <a:blip r:embed="rId2">
-            <a:extLst>
-              <a:ext uri="{28A0092B-C50C-407E-A947-70E740481C1C}">
-                <a14:useLocalDpi xmlns:a14="http://schemas.microsoft.com/office/drawing/2010/main"/>
-              </a:ext>
-            </a:extLst>
-          </a:blip>
-          <a:stretch>
-            <a:fillRect/>
-          </a:stretch>
-        </p:blipFill>
-        <p:spPr>
-          <a:xfrm>
-            <a:off x="7413475" y="152187"/>
-            <a:ext cx="22469777" cy="15248364"/>
-          </a:xfrm>
-          <a:prstGeom prst="rect">
-            <a:avLst/>
-          </a:prstGeom>
-        </p:spPr>
-      </p:pic>
       <p:sp>
         <p:nvSpPr>
           <p:cNvPr id="18" name="Rectangle 17">
@@ -3090,6 +3054,39 @@
           </a:p>
         </p:txBody>
       </p:sp>
+      <p:pic>
+        <p:nvPicPr>
+          <p:cNvPr id="2" name="Picture 1">
+            <a:extLst>
+              <a:ext uri="{FF2B5EF4-FFF2-40B4-BE49-F238E27FC236}">
+                <a16:creationId xmlns:a16="http://schemas.microsoft.com/office/drawing/2014/main" id="{56546113-4FE9-4032-83CA-DE888C2E3EE4}"/>
+              </a:ext>
+            </a:extLst>
+          </p:cNvPr>
+          <p:cNvPicPr>
+            <a:picLocks noChangeAspect="1"/>
+          </p:cNvPicPr>
+          <p:nvPr/>
+        </p:nvPicPr>
+        <p:blipFill>
+          <a:blip r:embed="rId2"/>
+          <a:stretch>
+            <a:fillRect/>
+          </a:stretch>
+        </p:blipFill>
+        <p:spPr>
+          <a:xfrm>
+            <a:off x="7407336" y="152187"/>
+            <a:ext cx="22469779" cy="15248364"/>
+          </a:xfrm>
+          <a:prstGeom prst="rect">
+            <a:avLst/>
+          </a:prstGeom>
+          <a:ln>
+            <a:noFill/>
+          </a:ln>
+        </p:spPr>
+      </p:pic>
       <p:sp>
         <p:nvSpPr>
           <p:cNvPr id="19" name="Rectangle 18">
@@ -3442,97 +3439,6 @@
           </a:p>
         </p:txBody>
       </p:sp>
-      <p:grpSp>
-        <p:nvGrpSpPr>
-          <p:cNvPr id="25" name="그룹 9">
-            <a:extLst>
-              <a:ext uri="{FF2B5EF4-FFF2-40B4-BE49-F238E27FC236}">
-                <a16:creationId xmlns:a16="http://schemas.microsoft.com/office/drawing/2014/main" id="{AADF3992-1D18-4A76-B56B-0463386A0509}"/>
-              </a:ext>
-            </a:extLst>
-          </p:cNvPr>
-          <p:cNvGrpSpPr/>
-          <p:nvPr/>
-        </p:nvGrpSpPr>
-        <p:grpSpPr>
-          <a:xfrm>
-            <a:off x="31156396" y="10502488"/>
-            <a:ext cx="5524536" cy="4242012"/>
-            <a:chOff x="4080574" y="1387476"/>
-            <a:chExt cx="5575853" cy="4281417"/>
-          </a:xfrm>
-        </p:grpSpPr>
-        <p:pic>
-          <p:nvPicPr>
-            <p:cNvPr id="26" name="그림 10">
-              <a:extLst>
-                <a:ext uri="{FF2B5EF4-FFF2-40B4-BE49-F238E27FC236}">
-                  <a16:creationId xmlns:a16="http://schemas.microsoft.com/office/drawing/2014/main" id="{3876C450-50AE-4F8D-B148-72E67E1F9D4E}"/>
-                </a:ext>
-              </a:extLst>
-            </p:cNvPr>
-            <p:cNvPicPr>
-              <a:picLocks noChangeAspect="1"/>
-            </p:cNvPicPr>
-            <p:nvPr/>
-          </p:nvPicPr>
-          <p:blipFill rotWithShape="1">
-            <a:blip r:embed="rId3">
-              <a:extLst>
-                <a:ext uri="{28A0092B-C50C-407E-A947-70E740481C1C}">
-                  <a14:useLocalDpi xmlns:a14="http://schemas.microsoft.com/office/drawing/2010/main"/>
-                </a:ext>
-              </a:extLst>
-            </a:blip>
-            <a:srcRect/>
-            <a:stretch/>
-          </p:blipFill>
-          <p:spPr>
-            <a:xfrm>
-              <a:off x="4175673" y="1387476"/>
-              <a:ext cx="5480754" cy="4164108"/>
-            </a:xfrm>
-            <a:prstGeom prst="rect">
-              <a:avLst/>
-            </a:prstGeom>
-          </p:spPr>
-        </p:pic>
-        <p:pic>
-          <p:nvPicPr>
-            <p:cNvPr id="27" name="그림 11">
-              <a:extLst>
-                <a:ext uri="{FF2B5EF4-FFF2-40B4-BE49-F238E27FC236}">
-                  <a16:creationId xmlns:a16="http://schemas.microsoft.com/office/drawing/2014/main" id="{B1AD5AC6-7F89-4062-A53F-A11EB0596ACE}"/>
-                </a:ext>
-              </a:extLst>
-            </p:cNvPr>
-            <p:cNvPicPr>
-              <a:picLocks noChangeAspect="1"/>
-            </p:cNvPicPr>
-            <p:nvPr/>
-          </p:nvPicPr>
-          <p:blipFill rotWithShape="1">
-            <a:blip r:embed="rId4">
-              <a:extLst>
-                <a:ext uri="{28A0092B-C50C-407E-A947-70E740481C1C}">
-                  <a14:useLocalDpi xmlns:a14="http://schemas.microsoft.com/office/drawing/2010/main"/>
-                </a:ext>
-              </a:extLst>
-            </a:blip>
-            <a:srcRect/>
-            <a:stretch/>
-          </p:blipFill>
-          <p:spPr>
-            <a:xfrm>
-              <a:off x="4080574" y="2348916"/>
-              <a:ext cx="5575853" cy="3319977"/>
-            </a:xfrm>
-            <a:prstGeom prst="rect">
-              <a:avLst/>
-            </a:prstGeom>
-          </p:spPr>
-        </p:pic>
-      </p:grpSp>
       <p:sp>
         <p:nvSpPr>
           <p:cNvPr id="28" name="TextBox 27">
@@ -3796,6 +3702,47 @@
           </a:p>
         </p:txBody>
       </p:sp>
+      <p:pic>
+        <p:nvPicPr>
+          <p:cNvPr id="15" name="Picture 14">
+            <a:extLst>
+              <a:ext uri="{FF2B5EF4-FFF2-40B4-BE49-F238E27FC236}">
+                <a16:creationId xmlns:a16="http://schemas.microsoft.com/office/drawing/2014/main" id="{E7EA52B6-899F-4B08-B216-237BBDAD44A9}"/>
+              </a:ext>
+            </a:extLst>
+          </p:cNvPr>
+          <p:cNvPicPr>
+            <a:picLocks noChangeAspect="1"/>
+          </p:cNvPicPr>
+          <p:nvPr/>
+        </p:nvPicPr>
+        <p:blipFill>
+          <a:blip r:embed="rId3">
+            <a:clrChange>
+              <a:clrFrom>
+                <a:srgbClr val="FAFAFA"/>
+              </a:clrFrom>
+              <a:clrTo>
+                <a:srgbClr val="FAFAFA">
+                  <a:alpha val="0"/>
+                </a:srgbClr>
+              </a:clrTo>
+            </a:clrChange>
+          </a:blip>
+          <a:stretch>
+            <a:fillRect/>
+          </a:stretch>
+        </p:blipFill>
+        <p:spPr>
+          <a:xfrm>
+            <a:off x="31190722" y="10495633"/>
+            <a:ext cx="5433060" cy="4244340"/>
+          </a:xfrm>
+          <a:prstGeom prst="rect">
+            <a:avLst/>
+          </a:prstGeom>
+        </p:spPr>
+      </p:pic>
     </p:spTree>
     <p:extLst>
       <p:ext uri="{BB962C8B-B14F-4D97-AF65-F5344CB8AC3E}">
